--- a/lesson9/exception.pptx
+++ b/lesson9/exception.pptx
@@ -293,7 +293,7 @@
             <a:fld id="{530820CF-B880-4189-942D-D702A7CBA730}" type="datetimeFigureOut">
               <a:rPr lang="zh-CN" altLang="en-US" smtClean="0"/>
               <a:pPr/>
-              <a:t>2015/4/19</a:t>
+              <a:t>2015/4/21</a:t>
             </a:fld>
             <a:endParaRPr lang="zh-CN" altLang="en-US"/>
           </a:p>
@@ -460,7 +460,7 @@
             <a:fld id="{530820CF-B880-4189-942D-D702A7CBA730}" type="datetimeFigureOut">
               <a:rPr lang="zh-CN" altLang="en-US" smtClean="0"/>
               <a:pPr/>
-              <a:t>2015/4/19</a:t>
+              <a:t>2015/4/21</a:t>
             </a:fld>
             <a:endParaRPr lang="zh-CN" altLang="en-US"/>
           </a:p>
@@ -637,7 +637,7 @@
             <a:fld id="{530820CF-B880-4189-942D-D702A7CBA730}" type="datetimeFigureOut">
               <a:rPr lang="zh-CN" altLang="en-US" smtClean="0"/>
               <a:pPr/>
-              <a:t>2015/4/19</a:t>
+              <a:t>2015/4/21</a:t>
             </a:fld>
             <a:endParaRPr lang="zh-CN" altLang="en-US"/>
           </a:p>
@@ -804,7 +804,7 @@
             <a:fld id="{530820CF-B880-4189-942D-D702A7CBA730}" type="datetimeFigureOut">
               <a:rPr lang="zh-CN" altLang="en-US" smtClean="0"/>
               <a:pPr/>
-              <a:t>2015/4/19</a:t>
+              <a:t>2015/4/21</a:t>
             </a:fld>
             <a:endParaRPr lang="zh-CN" altLang="en-US"/>
           </a:p>
@@ -1047,7 +1047,7 @@
             <a:fld id="{530820CF-B880-4189-942D-D702A7CBA730}" type="datetimeFigureOut">
               <a:rPr lang="zh-CN" altLang="en-US" smtClean="0"/>
               <a:pPr/>
-              <a:t>2015/4/19</a:t>
+              <a:t>2015/4/21</a:t>
             </a:fld>
             <a:endParaRPr lang="zh-CN" altLang="en-US"/>
           </a:p>
@@ -1332,7 +1332,7 @@
             <a:fld id="{530820CF-B880-4189-942D-D702A7CBA730}" type="datetimeFigureOut">
               <a:rPr lang="zh-CN" altLang="en-US" smtClean="0"/>
               <a:pPr/>
-              <a:t>2015/4/19</a:t>
+              <a:t>2015/4/21</a:t>
             </a:fld>
             <a:endParaRPr lang="zh-CN" altLang="en-US"/>
           </a:p>
@@ -1751,7 +1751,7 @@
             <a:fld id="{530820CF-B880-4189-942D-D702A7CBA730}" type="datetimeFigureOut">
               <a:rPr lang="zh-CN" altLang="en-US" smtClean="0"/>
               <a:pPr/>
-              <a:t>2015/4/19</a:t>
+              <a:t>2015/4/21</a:t>
             </a:fld>
             <a:endParaRPr lang="zh-CN" altLang="en-US"/>
           </a:p>
@@ -1866,7 +1866,7 @@
             <a:fld id="{530820CF-B880-4189-942D-D702A7CBA730}" type="datetimeFigureOut">
               <a:rPr lang="zh-CN" altLang="en-US" smtClean="0"/>
               <a:pPr/>
-              <a:t>2015/4/19</a:t>
+              <a:t>2015/4/21</a:t>
             </a:fld>
             <a:endParaRPr lang="zh-CN" altLang="en-US"/>
           </a:p>
@@ -1958,7 +1958,7 @@
             <a:fld id="{530820CF-B880-4189-942D-D702A7CBA730}" type="datetimeFigureOut">
               <a:rPr lang="zh-CN" altLang="en-US" smtClean="0"/>
               <a:pPr/>
-              <a:t>2015/4/19</a:t>
+              <a:t>2015/4/21</a:t>
             </a:fld>
             <a:endParaRPr lang="zh-CN" altLang="en-US"/>
           </a:p>
@@ -2232,7 +2232,7 @@
             <a:fld id="{530820CF-B880-4189-942D-D702A7CBA730}" type="datetimeFigureOut">
               <a:rPr lang="zh-CN" altLang="en-US" smtClean="0"/>
               <a:pPr/>
-              <a:t>2015/4/19</a:t>
+              <a:t>2015/4/21</a:t>
             </a:fld>
             <a:endParaRPr lang="zh-CN" altLang="en-US"/>
           </a:p>
@@ -2482,7 +2482,7 @@
             <a:fld id="{530820CF-B880-4189-942D-D702A7CBA730}" type="datetimeFigureOut">
               <a:rPr lang="zh-CN" altLang="en-US" smtClean="0"/>
               <a:pPr/>
-              <a:t>2015/4/19</a:t>
+              <a:t>2015/4/21</a:t>
             </a:fld>
             <a:endParaRPr lang="zh-CN" altLang="en-US"/>
           </a:p>
@@ -2692,7 +2692,7 @@
             <a:fld id="{530820CF-B880-4189-942D-D702A7CBA730}" type="datetimeFigureOut">
               <a:rPr lang="zh-CN" altLang="en-US" smtClean="0"/>
               <a:pPr/>
-              <a:t>2015/4/19</a:t>
+              <a:t>2015/4/21</a:t>
             </a:fld>
             <a:endParaRPr lang="zh-CN" altLang="en-US"/>
           </a:p>
@@ -3166,17 +3166,13 @@
         <p:spPr/>
         <p:txBody>
           <a:bodyPr>
-            <a:normAutofit fontScale="70000" lnSpcReduction="20000"/>
+            <a:normAutofit fontScale="55000" lnSpcReduction="20000"/>
           </a:bodyPr>
           <a:lstStyle/>
           <a:p>
             <a:r>
               <a:rPr lang="zh-CN" altLang="en-US" dirty="0" smtClean="0"/>
-              <a:t>语</a:t>
-            </a:r>
-            <a:r>
-              <a:rPr lang="zh-CN" altLang="en-US" dirty="0" smtClean="0"/>
-              <a:t>法</a:t>
+              <a:t>语法</a:t>
             </a:r>
             <a:endParaRPr lang="en-US" altLang="zh-CN" dirty="0" smtClean="0"/>
           </a:p>
@@ -3195,7 +3191,23 @@
             </a:r>
             <a:r>
               <a:rPr lang="zh-CN" altLang="en-US" dirty="0" smtClean="0"/>
-              <a:t>执行</a:t>
+              <a:t>执</a:t>
+            </a:r>
+            <a:r>
+              <a:rPr lang="zh-CN" altLang="en-US" dirty="0" smtClean="0"/>
+              <a:t>行</a:t>
+            </a:r>
+            <a:endParaRPr lang="en-US" altLang="zh-CN" dirty="0" smtClean="0"/>
+          </a:p>
+          <a:p>
+            <a:pPr lvl="1"/>
+            <a:r>
+              <a:rPr lang="en-US" altLang="zh-CN" dirty="0" err="1" smtClean="0"/>
+              <a:t>Al.get</a:t>
+            </a:r>
+            <a:r>
+              <a:rPr lang="en-US" altLang="zh-CN" dirty="0" smtClean="0"/>
+              <a:t>(2);</a:t>
             </a:r>
             <a:endParaRPr lang="en-US" altLang="zh-CN" dirty="0" smtClean="0"/>
           </a:p>
@@ -3262,6 +3274,27 @@
             <a:pPr lvl="1"/>
             <a:r>
               <a:rPr lang="en-US" altLang="zh-CN" dirty="0" smtClean="0"/>
+              <a:t>catch(Exception e){</a:t>
+            </a:r>
+          </a:p>
+          <a:p>
+            <a:pPr lvl="1"/>
+            <a:r>
+              <a:rPr lang="en-US" altLang="zh-CN" dirty="0" smtClean="0"/>
+              <a:t>  </a:t>
+            </a:r>
+          </a:p>
+          <a:p>
+            <a:pPr lvl="1"/>
+            <a:r>
+              <a:rPr lang="en-US" altLang="zh-CN" dirty="0" smtClean="0"/>
+              <a:t>}</a:t>
+            </a:r>
+          </a:p>
+          <a:p>
+            <a:pPr lvl="1"/>
+            <a:r>
+              <a:rPr lang="en-US" altLang="zh-CN" dirty="0" smtClean="0"/>
               <a:t>finally{</a:t>
             </a:r>
           </a:p>
@@ -3281,19 +3314,11 @@
             <a:pPr lvl="1"/>
             <a:r>
               <a:rPr lang="en-US" altLang="zh-CN" dirty="0" smtClean="0"/>
-              <a:t> </a:t>
-            </a:r>
-            <a:r>
-              <a:rPr lang="en-US" altLang="zh-CN" dirty="0" smtClean="0"/>
-              <a:t> // </a:t>
+              <a:t>  // </a:t>
             </a:r>
             <a:r>
               <a:rPr lang="zh-CN" altLang="en-US" dirty="0" smtClean="0"/>
-              <a:t>例</a:t>
-            </a:r>
-            <a:r>
-              <a:rPr lang="zh-CN" altLang="en-US" dirty="0" smtClean="0"/>
-              <a:t>如关闭文件，数据库等</a:t>
+              <a:t>例如关闭文件，数据库等</a:t>
             </a:r>
             <a:endParaRPr lang="en-US" altLang="zh-CN" dirty="0" smtClean="0"/>
           </a:p>
@@ -3459,6 +3484,13 @@
   <p:clrMapOvr>
     <a:masterClrMapping/>
   </p:clrMapOvr>
+  <p:timing>
+    <p:tnLst>
+      <p:par>
+        <p:cTn id="1" dur="indefinite" restart="never" nodeType="tmRoot"/>
+      </p:par>
+    </p:tnLst>
+  </p:timing>
 </p:sld>
 </file>
 
@@ -3519,11 +3551,7 @@
           <a:p>
             <a:r>
               <a:rPr lang="zh-CN" altLang="en-US" dirty="0" smtClean="0"/>
-              <a:t>抛</a:t>
-            </a:r>
-            <a:r>
-              <a:rPr lang="zh-CN" altLang="en-US" dirty="0" smtClean="0"/>
-              <a:t>出异常</a:t>
+              <a:t>抛出异常</a:t>
             </a:r>
             <a:endParaRPr lang="en-US" altLang="zh-CN" dirty="0" smtClean="0"/>
           </a:p>
@@ -3541,6 +3569,13 @@
   <p:clrMapOvr>
     <a:masterClrMapping/>
   </p:clrMapOvr>
+  <p:timing>
+    <p:tnLst>
+      <p:par>
+        <p:cTn id="1" dur="indefinite" restart="never" nodeType="tmRoot"/>
+      </p:par>
+    </p:tnLst>
+  </p:timing>
 </p:sld>
 </file>
 
